--- a/Lecture/Lecture7_If_Else_nested_if .pptx
+++ b/Lecture/Lecture7_If_Else_nested_if .pptx
@@ -5,7 +5,7 @@
     <p:sldMasterId id="2147483843" r:id="rId1"/>
   </p:sldMasterIdLst>
   <p:notesMasterIdLst>
-    <p:notesMasterId r:id="rId31"/>
+    <p:notesMasterId r:id="rId30"/>
   </p:notesMasterIdLst>
   <p:sldIdLst>
     <p:sldId id="256" r:id="rId2"/>
@@ -36,7 +36,6 @@
     <p:sldId id="311" r:id="rId27"/>
     <p:sldId id="330" r:id="rId28"/>
     <p:sldId id="332" r:id="rId29"/>
-    <p:sldId id="331" r:id="rId30"/>
   </p:sldIdLst>
   <p:sldSz cx="12192000" cy="6858000"/>
   <p:notesSz cx="6858000" cy="9144000"/>
@@ -225,7 +224,7 @@
           <a:p>
             <a:fld id="{6F8F50F7-979F-417A-9318-F7435AFE106D}" type="datetimeFigureOut">
               <a:rPr lang="en-US" smtClean="0"/>
-              <a:t>03-Jun-24</a:t>
+              <a:t>04-Jun-24</a:t>
             </a:fld>
             <a:endParaRPr lang="en-US"/>
           </a:p>
@@ -848,7 +847,7 @@
           <a:p>
             <a:fld id="{47141F06-E794-4EFC-981D-77C364B52985}" type="datetime1">
               <a:rPr lang="en-US" smtClean="0"/>
-              <a:t>03-Jun-24</a:t>
+              <a:t>04-Jun-24</a:t>
             </a:fld>
             <a:endParaRPr lang="en-US"/>
           </a:p>
@@ -1186,7 +1185,7 @@
           <a:p>
             <a:fld id="{B33B1352-D31E-478B-BBB3-EC404CB27062}" type="datetime1">
               <a:rPr lang="en-US" smtClean="0"/>
-              <a:t>03-Jun-24</a:t>
+              <a:t>04-Jun-24</a:t>
             </a:fld>
             <a:endParaRPr lang="en-US" dirty="0"/>
           </a:p>
@@ -1588,7 +1587,7 @@
           <a:p>
             <a:fld id="{ED5895FA-2F59-4FD8-AF9F-C07D99803CC4}" type="datetime1">
               <a:rPr lang="en-US" smtClean="0"/>
-              <a:t>03-Jun-24</a:t>
+              <a:t>04-Jun-24</a:t>
             </a:fld>
             <a:endParaRPr lang="en-US" dirty="0"/>
           </a:p>
@@ -1925,7 +1924,7 @@
           <a:p>
             <a:fld id="{78FE75F4-FB67-4627-9C8C-07FE36C94A78}" type="datetime1">
               <a:rPr lang="en-US" smtClean="0"/>
-              <a:t>03-Jun-24</a:t>
+              <a:t>04-Jun-24</a:t>
             </a:fld>
             <a:endParaRPr lang="en-US" dirty="0"/>
           </a:p>
@@ -2246,7 +2245,7 @@
           <a:p>
             <a:fld id="{D66D566D-C8DC-41F0-B4D1-87E599ACA3EA}" type="datetime1">
               <a:rPr lang="en-US" smtClean="0"/>
-              <a:t>03-Jun-24</a:t>
+              <a:t>04-Jun-24</a:t>
             </a:fld>
             <a:endParaRPr lang="en-US" dirty="0"/>
           </a:p>
@@ -2643,7 +2642,7 @@
           <a:p>
             <a:fld id="{6853EEDA-58A2-49D8-80CE-676D5887B457}" type="datetime1">
               <a:rPr lang="en-US" smtClean="0"/>
-              <a:t>03-Jun-24</a:t>
+              <a:t>04-Jun-24</a:t>
             </a:fld>
             <a:endParaRPr lang="en-US" dirty="0"/>
           </a:p>
@@ -2901,7 +2900,7 @@
           <a:p>
             <a:fld id="{1140E4F1-A413-4120-B1BE-CFCD0522E21F}" type="datetime1">
               <a:rPr lang="en-US" smtClean="0"/>
-              <a:t>03-Jun-24</a:t>
+              <a:t>04-Jun-24</a:t>
             </a:fld>
             <a:endParaRPr lang="en-US" dirty="0"/>
           </a:p>
@@ -3164,7 +3163,7 @@
           <a:p>
             <a:fld id="{FC5D1D4D-915C-40C4-B564-6BB76950728A}" type="datetime1">
               <a:rPr lang="en-US" smtClean="0"/>
-              <a:t>03-Jun-24</a:t>
+              <a:t>04-Jun-24</a:t>
             </a:fld>
             <a:endParaRPr lang="en-US" dirty="0"/>
           </a:p>
@@ -3427,7 +3426,7 @@
           <a:p>
             <a:fld id="{54C06224-B53B-4FE2-BA7A-AB5C0CD11AE8}" type="datetime1">
               <a:rPr lang="en-US" smtClean="0"/>
-              <a:t>03-Jun-24</a:t>
+              <a:t>04-Jun-24</a:t>
             </a:fld>
             <a:endParaRPr lang="en-US" dirty="0"/>
           </a:p>
@@ -3757,7 +3756,7 @@
           <a:p>
             <a:fld id="{BC176B63-8C3E-45E9-839C-4A497BD5833F}" type="datetime1">
               <a:rPr lang="en-US" smtClean="0"/>
-              <a:t>03-Jun-24</a:t>
+              <a:t>04-Jun-24</a:t>
             </a:fld>
             <a:endParaRPr lang="en-US" dirty="0"/>
           </a:p>
@@ -4080,7 +4079,7 @@
           <a:p>
             <a:fld id="{82A578A0-1F92-4525-A89A-BE254CA332B1}" type="datetime1">
               <a:rPr lang="en-US" smtClean="0"/>
-              <a:t>03-Jun-24</a:t>
+              <a:t>04-Jun-24</a:t>
             </a:fld>
             <a:endParaRPr lang="en-US" dirty="0"/>
           </a:p>
@@ -4538,7 +4537,7 @@
           <a:p>
             <a:fld id="{CB4C81B7-5274-45A6-92AD-02F8843029E3}" type="datetime1">
               <a:rPr lang="en-US" smtClean="0"/>
-              <a:t>03-Jun-24</a:t>
+              <a:t>04-Jun-24</a:t>
             </a:fld>
             <a:endParaRPr lang="en-US" dirty="0"/>
           </a:p>
@@ -4744,7 +4743,7 @@
           <a:p>
             <a:fld id="{A424BBCC-91F7-4ACB-A2E9-66DFDD6A36A5}" type="datetime1">
               <a:rPr lang="en-US" smtClean="0"/>
-              <a:t>03-Jun-24</a:t>
+              <a:t>04-Jun-24</a:t>
             </a:fld>
             <a:endParaRPr lang="en-US" dirty="0"/>
           </a:p>
@@ -4921,7 +4920,7 @@
           <a:p>
             <a:fld id="{BF9FE816-900F-4075-995B-132733144297}" type="datetime1">
               <a:rPr lang="en-US" smtClean="0"/>
-              <a:t>03-Jun-24</a:t>
+              <a:t>04-Jun-24</a:t>
             </a:fld>
             <a:endParaRPr lang="en-US" dirty="0"/>
           </a:p>
@@ -5254,7 +5253,7 @@
           <a:p>
             <a:fld id="{757EC048-7AC1-4542-9E95-384F191C2DC9}" type="datetime1">
               <a:rPr lang="en-US" smtClean="0"/>
-              <a:t>03-Jun-24</a:t>
+              <a:t>04-Jun-24</a:t>
             </a:fld>
             <a:endParaRPr lang="en-US" dirty="0"/>
           </a:p>
@@ -5600,7 +5599,7 @@
           <a:p>
             <a:fld id="{FD2470BC-96A7-4EB4-B1D8-3C308F46B902}" type="datetime1">
               <a:rPr lang="en-US" smtClean="0"/>
-              <a:t>03-Jun-24</a:t>
+              <a:t>04-Jun-24</a:t>
             </a:fld>
             <a:endParaRPr lang="en-US" dirty="0"/>
           </a:p>
@@ -7717,7 +7716,7 @@
           <a:p>
             <a:fld id="{8027C177-9F26-4481-A976-C3DABC3516E1}" type="datetime1">
               <a:rPr lang="en-US" smtClean="0"/>
-              <a:t>03-Jun-24</a:t>
+              <a:t>04-Jun-24</a:t>
             </a:fld>
             <a:endParaRPr lang="en-US" dirty="0"/>
           </a:p>
@@ -8332,7 +8331,29 @@
                 <a:ea typeface="Bitter" pitchFamily="34" charset="-122"/>
                 <a:cs typeface="+mj-cs"/>
               </a:rPr>
-              <a:t>Lecture 6: If –Else and Problem Solving</a:t>
+              <a:t>Lecture 7: If-</a:t>
+            </a:r>
+            <a:r>
+              <a:rPr lang="en-US" sz="4200" kern="0" spc="-181" dirty="0" err="1">
+                <a:solidFill>
+                  <a:srgbClr val="2C3F42"/>
+                </a:solidFill>
+                <a:latin typeface="Bitter" pitchFamily="34" charset="0"/>
+                <a:ea typeface="Bitter" pitchFamily="34" charset="-122"/>
+                <a:cs typeface="+mj-cs"/>
+              </a:rPr>
+              <a:t>elif</a:t>
+            </a:r>
+            <a:r>
+              <a:rPr lang="en-US" sz="4200" kern="0" spc="-181" dirty="0">
+                <a:solidFill>
+                  <a:srgbClr val="2C3F42"/>
+                </a:solidFill>
+                <a:latin typeface="Bitter" pitchFamily="34" charset="0"/>
+                <a:ea typeface="Bitter" pitchFamily="34" charset="-122"/>
+                <a:cs typeface="+mj-cs"/>
+              </a:rPr>
+              <a:t>-else, nested if and Problem Solving</a:t>
             </a:r>
           </a:p>
           <a:p>
@@ -14220,300 +14241,6 @@
     <p:extLst>
       <p:ext uri="{BB962C8B-B14F-4D97-AF65-F5344CB8AC3E}">
         <p14:creationId xmlns:p14="http://schemas.microsoft.com/office/powerpoint/2010/main" val="2716628698"/>
-      </p:ext>
-    </p:extLst>
-  </p:cSld>
-  <p:clrMapOvr>
-    <a:masterClrMapping/>
-  </p:clrMapOvr>
-</p:sld>
-</file>
-
-<file path=ppt/slides/slide29.xml><?xml version="1.0" encoding="utf-8"?>
-<p:sld xmlns:a="http://schemas.openxmlformats.org/drawingml/2006/main" xmlns:r="http://schemas.openxmlformats.org/officeDocument/2006/relationships" xmlns:p="http://schemas.openxmlformats.org/presentationml/2006/main">
-  <p:cSld>
-    <p:spTree>
-      <p:nvGrpSpPr>
-        <p:cNvPr id="1" name=""/>
-        <p:cNvGrpSpPr/>
-        <p:nvPr/>
-      </p:nvGrpSpPr>
-      <p:grpSpPr>
-        <a:xfrm>
-          <a:off x="0" y="0"/>
-          <a:ext cx="0" cy="0"/>
-          <a:chOff x="0" y="0"/>
-          <a:chExt cx="0" cy="0"/>
-        </a:xfrm>
-      </p:grpSpPr>
-      <p:sp>
-        <p:nvSpPr>
-          <p:cNvPr id="2" name="Title 1">
-            <a:extLst>
-              <a:ext uri="{FF2B5EF4-FFF2-40B4-BE49-F238E27FC236}">
-                <a16:creationId xmlns:a16="http://schemas.microsoft.com/office/drawing/2014/main" id="{4B055FF9-E673-5EA6-DAE6-465134A58084}"/>
-              </a:ext>
-            </a:extLst>
-          </p:cNvPr>
-          <p:cNvSpPr>
-            <a:spLocks noGrp="1"/>
-          </p:cNvSpPr>
-          <p:nvPr>
-            <p:ph type="ctrTitle"/>
-          </p:nvPr>
-        </p:nvSpPr>
-        <p:spPr>
-          <a:xfrm>
-            <a:off x="2589213" y="0"/>
-            <a:ext cx="8915399" cy="2262781"/>
-          </a:xfrm>
-        </p:spPr>
-        <p:txBody>
-          <a:bodyPr/>
-          <a:lstStyle/>
-          <a:p>
-            <a:r>
-              <a:rPr lang="en-US"/>
-              <a:t>Problem 4</a:t>
-            </a:r>
-            <a:endParaRPr lang="en-US" dirty="0"/>
-          </a:p>
-        </p:txBody>
-      </p:sp>
-      <p:sp>
-        <p:nvSpPr>
-          <p:cNvPr id="4" name="Slide Number Placeholder 3">
-            <a:extLst>
-              <a:ext uri="{FF2B5EF4-FFF2-40B4-BE49-F238E27FC236}">
-                <a16:creationId xmlns:a16="http://schemas.microsoft.com/office/drawing/2014/main" id="{2E396DB7-A9FD-CC6E-4A48-D241DE24051F}"/>
-              </a:ext>
-            </a:extLst>
-          </p:cNvPr>
-          <p:cNvSpPr>
-            <a:spLocks noGrp="1"/>
-          </p:cNvSpPr>
-          <p:nvPr>
-            <p:ph type="sldNum" sz="quarter" idx="12"/>
-          </p:nvPr>
-        </p:nvSpPr>
-        <p:spPr/>
-        <p:txBody>
-          <a:bodyPr/>
-          <a:lstStyle/>
-          <a:p>
-            <a:fld id="{1BA2F5C7-AA4C-441B-82CF-BB169A0AFBE6}" type="slidenum">
-              <a:rPr lang="en-US" smtClean="0"/>
-              <a:t>29</a:t>
-            </a:fld>
-            <a:endParaRPr lang="en-US"/>
-          </a:p>
-        </p:txBody>
-      </p:sp>
-      <p:sp>
-        <p:nvSpPr>
-          <p:cNvPr id="7" name="Subtitle 2">
-            <a:extLst>
-              <a:ext uri="{FF2B5EF4-FFF2-40B4-BE49-F238E27FC236}">
-                <a16:creationId xmlns:a16="http://schemas.microsoft.com/office/drawing/2014/main" id="{9F647FD7-7B2D-1E3D-7542-548468D4647F}"/>
-              </a:ext>
-            </a:extLst>
-          </p:cNvPr>
-          <p:cNvSpPr>
-            <a:spLocks noGrp="1"/>
-          </p:cNvSpPr>
-          <p:nvPr>
-            <p:ph type="subTitle" idx="1"/>
-          </p:nvPr>
-        </p:nvSpPr>
-        <p:spPr>
-          <a:xfrm>
-            <a:off x="2814296" y="2693773"/>
-            <a:ext cx="8256979" cy="3476411"/>
-          </a:xfrm>
-        </p:spPr>
-        <p:txBody>
-          <a:bodyPr>
-            <a:normAutofit lnSpcReduction="10000"/>
-          </a:bodyPr>
-          <a:lstStyle/>
-          <a:p>
-            <a:pPr>
-              <a:lnSpc>
-                <a:spcPct val="90000"/>
-              </a:lnSpc>
-            </a:pPr>
-            <a:r>
-              <a:rPr lang="en-US" sz="2400" b="1" dirty="0">
-                <a:solidFill>
-                  <a:schemeClr val="tx1"/>
-                </a:solidFill>
-              </a:rPr>
-              <a:t>love6</a:t>
-            </a:r>
-          </a:p>
-          <a:p>
-            <a:pPr>
-              <a:lnSpc>
-                <a:spcPct val="90000"/>
-              </a:lnSpc>
-            </a:pPr>
-            <a:r>
-              <a:rPr lang="en-US" sz="2000" dirty="0">
-                <a:solidFill>
-                  <a:schemeClr val="tx1"/>
-                </a:solidFill>
-              </a:rPr>
-              <a:t>The number 6 is a truly great number. Given two int values, a and b, return True if either one is 6. Or if their sum or difference is 6. Note: the function abs(num) computes the absolute value of a number.</a:t>
-            </a:r>
-          </a:p>
-          <a:p>
-            <a:pPr>
-              <a:lnSpc>
-                <a:spcPct val="90000"/>
-              </a:lnSpc>
-            </a:pPr>
-            <a:endParaRPr lang="en-US" sz="2000" dirty="0">
-              <a:solidFill>
-                <a:schemeClr val="tx1"/>
-              </a:solidFill>
-            </a:endParaRPr>
-          </a:p>
-          <a:p>
-            <a:pPr>
-              <a:lnSpc>
-                <a:spcPct val="90000"/>
-              </a:lnSpc>
-            </a:pPr>
-            <a:endParaRPr lang="en-US" sz="2000" dirty="0">
-              <a:solidFill>
-                <a:schemeClr val="tx1"/>
-              </a:solidFill>
-            </a:endParaRPr>
-          </a:p>
-          <a:p>
-            <a:pPr>
-              <a:lnSpc>
-                <a:spcPct val="90000"/>
-              </a:lnSpc>
-            </a:pPr>
-            <a:r>
-              <a:rPr lang="en-US" sz="2000" dirty="0">
-                <a:solidFill>
-                  <a:schemeClr val="tx1"/>
-                </a:solidFill>
-              </a:rPr>
-              <a:t>love6(6, 4) → True</a:t>
-            </a:r>
-          </a:p>
-          <a:p>
-            <a:pPr>
-              <a:lnSpc>
-                <a:spcPct val="90000"/>
-              </a:lnSpc>
-            </a:pPr>
-            <a:r>
-              <a:rPr lang="en-US" sz="2000" dirty="0">
-                <a:solidFill>
-                  <a:schemeClr val="tx1"/>
-                </a:solidFill>
-              </a:rPr>
-              <a:t>love6(4, 5) → False</a:t>
-            </a:r>
-          </a:p>
-          <a:p>
-            <a:pPr>
-              <a:lnSpc>
-                <a:spcPct val="90000"/>
-              </a:lnSpc>
-            </a:pPr>
-            <a:r>
-              <a:rPr lang="en-US" sz="2000" dirty="0">
-                <a:solidFill>
-                  <a:schemeClr val="tx1"/>
-                </a:solidFill>
-              </a:rPr>
-              <a:t>love6(1, 5) → True'</a:t>
-            </a:r>
-            <a:r>
-              <a:rPr lang="en-US" dirty="0">
-                <a:solidFill>
-                  <a:schemeClr val="tx1"/>
-                </a:solidFill>
-              </a:rPr>
-              <a:t>'</a:t>
-            </a:r>
-          </a:p>
-        </p:txBody>
-      </p:sp>
-      <p:sp>
-        <p:nvSpPr>
-          <p:cNvPr id="3" name="Rectangle 2">
-            <a:extLst>
-              <a:ext uri="{FF2B5EF4-FFF2-40B4-BE49-F238E27FC236}">
-                <a16:creationId xmlns:a16="http://schemas.microsoft.com/office/drawing/2014/main" id="{BEC55DA6-1461-27D5-E63C-A4CD652FEF23}"/>
-              </a:ext>
-            </a:extLst>
-          </p:cNvPr>
-          <p:cNvSpPr/>
-          <p:nvPr/>
-        </p:nvSpPr>
-        <p:spPr>
-          <a:xfrm>
-            <a:off x="1592009" y="6314575"/>
-            <a:ext cx="1994407" cy="306093"/>
-          </a:xfrm>
-          <a:prstGeom prst="rect">
-            <a:avLst/>
-          </a:prstGeom>
-          <a:solidFill>
-            <a:schemeClr val="bg2"/>
-          </a:solidFill>
-          <a:ln>
-            <a:solidFill>
-              <a:schemeClr val="bg1">
-                <a:lumMod val="95000"/>
-              </a:schemeClr>
-            </a:solidFill>
-          </a:ln>
-        </p:spPr>
-        <p:style>
-          <a:lnRef idx="2">
-            <a:schemeClr val="accent1">
-              <a:shade val="15000"/>
-            </a:schemeClr>
-          </a:lnRef>
-          <a:fillRef idx="1">
-            <a:schemeClr val="accent1"/>
-          </a:fillRef>
-          <a:effectRef idx="0">
-            <a:schemeClr val="accent1"/>
-          </a:effectRef>
-          <a:fontRef idx="minor">
-            <a:schemeClr val="lt1"/>
-          </a:fontRef>
-        </p:style>
-        <p:txBody>
-          <a:bodyPr rtlCol="0" anchor="ctr"/>
-          <a:lstStyle/>
-          <a:p>
-            <a:pPr algn="ctr"/>
-            <a:r>
-              <a:rPr lang="en-US" sz="1200" dirty="0">
-                <a:solidFill>
-                  <a:schemeClr val="bg1">
-                    <a:lumMod val="65000"/>
-                  </a:schemeClr>
-                </a:solidFill>
-              </a:rPr>
-              <a:t>Hafsa Sultana, CSE, KU</a:t>
-            </a:r>
-          </a:p>
-        </p:txBody>
-      </p:sp>
-    </p:spTree>
-    <p:extLst>
-      <p:ext uri="{BB962C8B-B14F-4D97-AF65-F5344CB8AC3E}">
-        <p14:creationId xmlns:p14="http://schemas.microsoft.com/office/powerpoint/2010/main" val="2108200138"/>
       </p:ext>
     </p:extLst>
   </p:cSld>
